--- a/documents/presentations/Survey relocations.pptx
+++ b/documents/presentations/Survey relocations.pptx
@@ -4,6 +4,9 @@
   <p:sldMasterIdLst>
     <p:sldMasterId id="2147483648" r:id="rId1"/>
   </p:sldMasterIdLst>
+  <p:notesMasterIdLst>
+    <p:notesMasterId r:id="rId12"/>
+  </p:notesMasterIdLst>
   <p:sldIdLst>
     <p:sldId id="256" r:id="rId2"/>
     <p:sldId id="257" r:id="rId3"/>
@@ -116,6 +119,994 @@
 </p:presentation>
 </file>
 
+<file path=ppt/notesMasters/notesMaster1.xml><?xml version="1.0" encoding="utf-8"?>
+<p:notesMaster xmlns:a="http://schemas.openxmlformats.org/drawingml/2006/main" xmlns:r="http://schemas.openxmlformats.org/officeDocument/2006/relationships" xmlns:p="http://schemas.openxmlformats.org/presentationml/2006/main">
+  <p:cSld>
+    <p:bg>
+      <p:bgRef idx="1001">
+        <a:schemeClr val="bg1"/>
+      </p:bgRef>
+    </p:bg>
+    <p:spTree>
+      <p:nvGrpSpPr>
+        <p:cNvPr id="1" name=""/>
+        <p:cNvGrpSpPr/>
+        <p:nvPr/>
+      </p:nvGrpSpPr>
+      <p:grpSpPr>
+        <a:xfrm>
+          <a:off x="0" y="0"/>
+          <a:ext cx="0" cy="0"/>
+          <a:chOff x="0" y="0"/>
+          <a:chExt cx="0" cy="0"/>
+        </a:xfrm>
+      </p:grpSpPr>
+      <p:sp>
+        <p:nvSpPr>
+          <p:cNvPr id="2" name="Header Placeholder 1"/>
+          <p:cNvSpPr>
+            <a:spLocks noGrp="1"/>
+          </p:cNvSpPr>
+          <p:nvPr>
+            <p:ph type="hdr" sz="quarter"/>
+          </p:nvPr>
+        </p:nvSpPr>
+        <p:spPr>
+          <a:xfrm>
+            <a:off x="0" y="0"/>
+            <a:ext cx="2971800" cy="457200"/>
+          </a:xfrm>
+          <a:prstGeom prst="rect">
+            <a:avLst/>
+          </a:prstGeom>
+        </p:spPr>
+        <p:txBody>
+          <a:bodyPr vert="horz" lIns="91440" tIns="45720" rIns="91440" bIns="45720" rtlCol="0"/>
+          <a:lstStyle>
+            <a:lvl1pPr algn="l">
+              <a:defRPr sz="1200"/>
+            </a:lvl1pPr>
+          </a:lstStyle>
+          <a:p>
+            <a:endParaRPr lang="en-US"/>
+          </a:p>
+        </p:txBody>
+      </p:sp>
+      <p:sp>
+        <p:nvSpPr>
+          <p:cNvPr id="3" name="Date Placeholder 2"/>
+          <p:cNvSpPr>
+            <a:spLocks noGrp="1"/>
+          </p:cNvSpPr>
+          <p:nvPr>
+            <p:ph type="dt" idx="1"/>
+          </p:nvPr>
+        </p:nvSpPr>
+        <p:spPr>
+          <a:xfrm>
+            <a:off x="3884613" y="0"/>
+            <a:ext cx="2971800" cy="457200"/>
+          </a:xfrm>
+          <a:prstGeom prst="rect">
+            <a:avLst/>
+          </a:prstGeom>
+        </p:spPr>
+        <p:txBody>
+          <a:bodyPr vert="horz" lIns="91440" tIns="45720" rIns="91440" bIns="45720" rtlCol="0"/>
+          <a:lstStyle>
+            <a:lvl1pPr algn="r">
+              <a:defRPr sz="1200"/>
+            </a:lvl1pPr>
+          </a:lstStyle>
+          <a:p>
+            <a:fld id="{9DCAF242-1C6D-FC4D-A6FA-891EE414C37D}" type="datetimeFigureOut">
+              <a:rPr lang="en-US" smtClean="0"/>
+              <a:t>21-02-10</a:t>
+            </a:fld>
+            <a:endParaRPr lang="en-US"/>
+          </a:p>
+        </p:txBody>
+      </p:sp>
+      <p:sp>
+        <p:nvSpPr>
+          <p:cNvPr id="4" name="Slide Image Placeholder 3"/>
+          <p:cNvSpPr>
+            <a:spLocks noGrp="1" noRot="1" noChangeAspect="1"/>
+          </p:cNvSpPr>
+          <p:nvPr>
+            <p:ph type="sldImg" idx="2"/>
+          </p:nvPr>
+        </p:nvSpPr>
+        <p:spPr>
+          <a:xfrm>
+            <a:off x="1143000" y="685800"/>
+            <a:ext cx="4572000" cy="3429000"/>
+          </a:xfrm>
+          <a:prstGeom prst="rect">
+            <a:avLst/>
+          </a:prstGeom>
+          <a:noFill/>
+          <a:ln w="12700">
+            <a:solidFill>
+              <a:prstClr val="black"/>
+            </a:solidFill>
+          </a:ln>
+        </p:spPr>
+        <p:txBody>
+          <a:bodyPr vert="horz" lIns="91440" tIns="45720" rIns="91440" bIns="45720" rtlCol="0" anchor="ctr"/>
+          <a:lstStyle/>
+          <a:p>
+            <a:endParaRPr lang="en-US"/>
+          </a:p>
+        </p:txBody>
+      </p:sp>
+      <p:sp>
+        <p:nvSpPr>
+          <p:cNvPr id="5" name="Notes Placeholder 4"/>
+          <p:cNvSpPr>
+            <a:spLocks noGrp="1"/>
+          </p:cNvSpPr>
+          <p:nvPr>
+            <p:ph type="body" sz="quarter" idx="3"/>
+          </p:nvPr>
+        </p:nvSpPr>
+        <p:spPr>
+          <a:xfrm>
+            <a:off x="685800" y="4343400"/>
+            <a:ext cx="5486400" cy="4114800"/>
+          </a:xfrm>
+          <a:prstGeom prst="rect">
+            <a:avLst/>
+          </a:prstGeom>
+        </p:spPr>
+        <p:txBody>
+          <a:bodyPr vert="horz" lIns="91440" tIns="45720" rIns="91440" bIns="45720" rtlCol="0"/>
+          <a:lstStyle/>
+          <a:p>
+            <a:pPr lvl="0"/>
+            <a:r>
+              <a:rPr lang="fr-CA" smtClean="0"/>
+              <a:t>Click to edit Master text styles</a:t>
+            </a:r>
+          </a:p>
+          <a:p>
+            <a:pPr lvl="1"/>
+            <a:r>
+              <a:rPr lang="fr-CA" smtClean="0"/>
+              <a:t>Second level</a:t>
+            </a:r>
+          </a:p>
+          <a:p>
+            <a:pPr lvl="2"/>
+            <a:r>
+              <a:rPr lang="fr-CA" smtClean="0"/>
+              <a:t>Third level</a:t>
+            </a:r>
+          </a:p>
+          <a:p>
+            <a:pPr lvl="3"/>
+            <a:r>
+              <a:rPr lang="fr-CA" smtClean="0"/>
+              <a:t>Fourth level</a:t>
+            </a:r>
+          </a:p>
+          <a:p>
+            <a:pPr lvl="4"/>
+            <a:r>
+              <a:rPr lang="fr-CA" smtClean="0"/>
+              <a:t>Fifth level</a:t>
+            </a:r>
+            <a:endParaRPr lang="en-US"/>
+          </a:p>
+        </p:txBody>
+      </p:sp>
+      <p:sp>
+        <p:nvSpPr>
+          <p:cNvPr id="6" name="Footer Placeholder 5"/>
+          <p:cNvSpPr>
+            <a:spLocks noGrp="1"/>
+          </p:cNvSpPr>
+          <p:nvPr>
+            <p:ph type="ftr" sz="quarter" idx="4"/>
+          </p:nvPr>
+        </p:nvSpPr>
+        <p:spPr>
+          <a:xfrm>
+            <a:off x="0" y="8685213"/>
+            <a:ext cx="2971800" cy="457200"/>
+          </a:xfrm>
+          <a:prstGeom prst="rect">
+            <a:avLst/>
+          </a:prstGeom>
+        </p:spPr>
+        <p:txBody>
+          <a:bodyPr vert="horz" lIns="91440" tIns="45720" rIns="91440" bIns="45720" rtlCol="0" anchor="b"/>
+          <a:lstStyle>
+            <a:lvl1pPr algn="l">
+              <a:defRPr sz="1200"/>
+            </a:lvl1pPr>
+          </a:lstStyle>
+          <a:p>
+            <a:endParaRPr lang="en-US"/>
+          </a:p>
+        </p:txBody>
+      </p:sp>
+      <p:sp>
+        <p:nvSpPr>
+          <p:cNvPr id="7" name="Slide Number Placeholder 6"/>
+          <p:cNvSpPr>
+            <a:spLocks noGrp="1"/>
+          </p:cNvSpPr>
+          <p:nvPr>
+            <p:ph type="sldNum" sz="quarter" idx="5"/>
+          </p:nvPr>
+        </p:nvSpPr>
+        <p:spPr>
+          <a:xfrm>
+            <a:off x="3884613" y="8685213"/>
+            <a:ext cx="2971800" cy="457200"/>
+          </a:xfrm>
+          <a:prstGeom prst="rect">
+            <a:avLst/>
+          </a:prstGeom>
+        </p:spPr>
+        <p:txBody>
+          <a:bodyPr vert="horz" lIns="91440" tIns="45720" rIns="91440" bIns="45720" rtlCol="0" anchor="b"/>
+          <a:lstStyle>
+            <a:lvl1pPr algn="r">
+              <a:defRPr sz="1200"/>
+            </a:lvl1pPr>
+          </a:lstStyle>
+          <a:p>
+            <a:fld id="{B2F1372D-34CC-2746-889C-4C8AE026FBFA}" type="slidenum">
+              <a:rPr lang="en-US" smtClean="0"/>
+              <a:t>‹#›</a:t>
+            </a:fld>
+            <a:endParaRPr lang="en-US"/>
+          </a:p>
+        </p:txBody>
+      </p:sp>
+    </p:spTree>
+    <p:extLst>
+      <p:ext uri="{BB962C8B-B14F-4D97-AF65-F5344CB8AC3E}">
+        <p14:creationId xmlns:p14="http://schemas.microsoft.com/office/powerpoint/2010/main" val="1262521889"/>
+      </p:ext>
+    </p:extLst>
+  </p:cSld>
+  <p:clrMap bg1="lt1" tx1="dk1" bg2="lt2" tx2="dk2" accent1="accent1" accent2="accent2" accent3="accent3" accent4="accent4" accent5="accent5" accent6="accent6" hlink="hlink" folHlink="folHlink"/>
+  <p:notesStyle>
+    <a:lvl1pPr marL="0" algn="l" defTabSz="457200" rtl="0" eaLnBrk="1" latinLnBrk="0" hangingPunct="1">
+      <a:defRPr sz="1200" kern="1200">
+        <a:solidFill>
+          <a:schemeClr val="tx1"/>
+        </a:solidFill>
+        <a:latin typeface="+mn-lt"/>
+        <a:ea typeface="+mn-ea"/>
+        <a:cs typeface="+mn-cs"/>
+      </a:defRPr>
+    </a:lvl1pPr>
+    <a:lvl2pPr marL="457200" algn="l" defTabSz="457200" rtl="0" eaLnBrk="1" latinLnBrk="0" hangingPunct="1">
+      <a:defRPr sz="1200" kern="1200">
+        <a:solidFill>
+          <a:schemeClr val="tx1"/>
+        </a:solidFill>
+        <a:latin typeface="+mn-lt"/>
+        <a:ea typeface="+mn-ea"/>
+        <a:cs typeface="+mn-cs"/>
+      </a:defRPr>
+    </a:lvl2pPr>
+    <a:lvl3pPr marL="914400" algn="l" defTabSz="457200" rtl="0" eaLnBrk="1" latinLnBrk="0" hangingPunct="1">
+      <a:defRPr sz="1200" kern="1200">
+        <a:solidFill>
+          <a:schemeClr val="tx1"/>
+        </a:solidFill>
+        <a:latin typeface="+mn-lt"/>
+        <a:ea typeface="+mn-ea"/>
+        <a:cs typeface="+mn-cs"/>
+      </a:defRPr>
+    </a:lvl3pPr>
+    <a:lvl4pPr marL="1371600" algn="l" defTabSz="457200" rtl="0" eaLnBrk="1" latinLnBrk="0" hangingPunct="1">
+      <a:defRPr sz="1200" kern="1200">
+        <a:solidFill>
+          <a:schemeClr val="tx1"/>
+        </a:solidFill>
+        <a:latin typeface="+mn-lt"/>
+        <a:ea typeface="+mn-ea"/>
+        <a:cs typeface="+mn-cs"/>
+      </a:defRPr>
+    </a:lvl4pPr>
+    <a:lvl5pPr marL="1828800" algn="l" defTabSz="457200" rtl="0" eaLnBrk="1" latinLnBrk="0" hangingPunct="1">
+      <a:defRPr sz="1200" kern="1200">
+        <a:solidFill>
+          <a:schemeClr val="tx1"/>
+        </a:solidFill>
+        <a:latin typeface="+mn-lt"/>
+        <a:ea typeface="+mn-ea"/>
+        <a:cs typeface="+mn-cs"/>
+      </a:defRPr>
+    </a:lvl5pPr>
+    <a:lvl6pPr marL="2286000" algn="l" defTabSz="457200" rtl="0" eaLnBrk="1" latinLnBrk="0" hangingPunct="1">
+      <a:defRPr sz="1200" kern="1200">
+        <a:solidFill>
+          <a:schemeClr val="tx1"/>
+        </a:solidFill>
+        <a:latin typeface="+mn-lt"/>
+        <a:ea typeface="+mn-ea"/>
+        <a:cs typeface="+mn-cs"/>
+      </a:defRPr>
+    </a:lvl6pPr>
+    <a:lvl7pPr marL="2743200" algn="l" defTabSz="457200" rtl="0" eaLnBrk="1" latinLnBrk="0" hangingPunct="1">
+      <a:defRPr sz="1200" kern="1200">
+        <a:solidFill>
+          <a:schemeClr val="tx1"/>
+        </a:solidFill>
+        <a:latin typeface="+mn-lt"/>
+        <a:ea typeface="+mn-ea"/>
+        <a:cs typeface="+mn-cs"/>
+      </a:defRPr>
+    </a:lvl7pPr>
+    <a:lvl8pPr marL="3200400" algn="l" defTabSz="457200" rtl="0" eaLnBrk="1" latinLnBrk="0" hangingPunct="1">
+      <a:defRPr sz="1200" kern="1200">
+        <a:solidFill>
+          <a:schemeClr val="tx1"/>
+        </a:solidFill>
+        <a:latin typeface="+mn-lt"/>
+        <a:ea typeface="+mn-ea"/>
+        <a:cs typeface="+mn-cs"/>
+      </a:defRPr>
+    </a:lvl8pPr>
+    <a:lvl9pPr marL="3657600" algn="l" defTabSz="457200" rtl="0" eaLnBrk="1" latinLnBrk="0" hangingPunct="1">
+      <a:defRPr sz="1200" kern="1200">
+        <a:solidFill>
+          <a:schemeClr val="tx1"/>
+        </a:solidFill>
+        <a:latin typeface="+mn-lt"/>
+        <a:ea typeface="+mn-ea"/>
+        <a:cs typeface="+mn-cs"/>
+      </a:defRPr>
+    </a:lvl9pPr>
+  </p:notesStyle>
+</p:notesMaster>
+</file>
+
+<file path=ppt/notesSlides/notesSlide1.xml><?xml version="1.0" encoding="utf-8"?>
+<p:notes xmlns:a="http://schemas.openxmlformats.org/drawingml/2006/main" xmlns:r="http://schemas.openxmlformats.org/officeDocument/2006/relationships" xmlns:p="http://schemas.openxmlformats.org/presentationml/2006/main">
+  <p:cSld>
+    <p:spTree>
+      <p:nvGrpSpPr>
+        <p:cNvPr id="1" name=""/>
+        <p:cNvGrpSpPr/>
+        <p:nvPr/>
+      </p:nvGrpSpPr>
+      <p:grpSpPr>
+        <a:xfrm>
+          <a:off x="0" y="0"/>
+          <a:ext cx="0" cy="0"/>
+          <a:chOff x="0" y="0"/>
+          <a:chExt cx="0" cy="0"/>
+        </a:xfrm>
+      </p:grpSpPr>
+      <p:sp>
+        <p:nvSpPr>
+          <p:cNvPr id="2" name="Slide Image Placeholder 1"/>
+          <p:cNvSpPr>
+            <a:spLocks noGrp="1" noRot="1" noChangeAspect="1"/>
+          </p:cNvSpPr>
+          <p:nvPr>
+            <p:ph type="sldImg"/>
+          </p:nvPr>
+        </p:nvSpPr>
+        <p:spPr/>
+      </p:sp>
+      <p:sp>
+        <p:nvSpPr>
+          <p:cNvPr id="3" name="Notes Placeholder 2"/>
+          <p:cNvSpPr>
+            <a:spLocks noGrp="1"/>
+          </p:cNvSpPr>
+          <p:nvPr>
+            <p:ph type="body" idx="1"/>
+          </p:nvPr>
+        </p:nvSpPr>
+        <p:spPr/>
+        <p:txBody>
+          <a:bodyPr/>
+          <a:lstStyle/>
+          <a:p>
+            <a:r>
+              <a:rPr lang="en-US" dirty="0" smtClean="0"/>
+              <a:t>So</a:t>
+            </a:r>
+            <a:r>
+              <a:rPr lang="en-US" baseline="0" dirty="0" smtClean="0"/>
+              <a:t> when we have trawl damage during the survey, the current practice is to relocate to a randomly-selected alternate station.</a:t>
+            </a:r>
+          </a:p>
+          <a:p>
+            <a:endParaRPr lang="en-US" baseline="0" dirty="0" smtClean="0"/>
+          </a:p>
+          <a:p>
+            <a:r>
+              <a:rPr lang="en-US" baseline="0" dirty="0" smtClean="0"/>
+              <a:t>- Even though the alternates are randomly selected, stations located in grids with rough bottoms will tend to be relocated until softer bottom is encountered </a:t>
+            </a:r>
+            <a:endParaRPr lang="en-US" dirty="0"/>
+          </a:p>
+        </p:txBody>
+      </p:sp>
+      <p:sp>
+        <p:nvSpPr>
+          <p:cNvPr id="4" name="Slide Number Placeholder 3"/>
+          <p:cNvSpPr>
+            <a:spLocks noGrp="1"/>
+          </p:cNvSpPr>
+          <p:nvPr>
+            <p:ph type="sldNum" sz="quarter" idx="10"/>
+          </p:nvPr>
+        </p:nvSpPr>
+        <p:spPr/>
+        <p:txBody>
+          <a:bodyPr/>
+          <a:lstStyle/>
+          <a:p>
+            <a:fld id="{B2F1372D-34CC-2746-889C-4C8AE026FBFA}" type="slidenum">
+              <a:rPr lang="en-US" smtClean="0"/>
+              <a:t>2</a:t>
+            </a:fld>
+            <a:endParaRPr lang="en-US"/>
+          </a:p>
+        </p:txBody>
+      </p:sp>
+    </p:spTree>
+    <p:extLst>
+      <p:ext uri="{BB962C8B-B14F-4D97-AF65-F5344CB8AC3E}">
+        <p14:creationId xmlns:p14="http://schemas.microsoft.com/office/powerpoint/2010/main" val="2605222847"/>
+      </p:ext>
+    </p:extLst>
+  </p:cSld>
+  <p:clrMapOvr>
+    <a:masterClrMapping/>
+  </p:clrMapOvr>
+</p:notes>
+</file>
+
+<file path=ppt/notesSlides/notesSlide2.xml><?xml version="1.0" encoding="utf-8"?>
+<p:notes xmlns:a="http://schemas.openxmlformats.org/drawingml/2006/main" xmlns:r="http://schemas.openxmlformats.org/officeDocument/2006/relationships" xmlns:p="http://schemas.openxmlformats.org/presentationml/2006/main">
+  <p:cSld>
+    <p:spTree>
+      <p:nvGrpSpPr>
+        <p:cNvPr id="1" name=""/>
+        <p:cNvGrpSpPr/>
+        <p:nvPr/>
+      </p:nvGrpSpPr>
+      <p:grpSpPr>
+        <a:xfrm>
+          <a:off x="0" y="0"/>
+          <a:ext cx="0" cy="0"/>
+          <a:chOff x="0" y="0"/>
+          <a:chExt cx="0" cy="0"/>
+        </a:xfrm>
+      </p:grpSpPr>
+      <p:sp>
+        <p:nvSpPr>
+          <p:cNvPr id="2" name="Slide Image Placeholder 1"/>
+          <p:cNvSpPr>
+            <a:spLocks noGrp="1" noRot="1" noChangeAspect="1"/>
+          </p:cNvSpPr>
+          <p:nvPr>
+            <p:ph type="sldImg"/>
+          </p:nvPr>
+        </p:nvSpPr>
+        <p:spPr/>
+      </p:sp>
+      <p:sp>
+        <p:nvSpPr>
+          <p:cNvPr id="3" name="Notes Placeholder 2"/>
+          <p:cNvSpPr>
+            <a:spLocks noGrp="1"/>
+          </p:cNvSpPr>
+          <p:nvPr>
+            <p:ph type="body" idx="1"/>
+          </p:nvPr>
+        </p:nvSpPr>
+        <p:spPr/>
+        <p:txBody>
+          <a:bodyPr/>
+          <a:lstStyle/>
+          <a:p>
+            <a:r>
+              <a:rPr lang="en-US" dirty="0" smtClean="0"/>
+              <a:t>So</a:t>
+            </a:r>
+            <a:r>
+              <a:rPr lang="en-US" baseline="0" dirty="0" smtClean="0"/>
+              <a:t> if </a:t>
+            </a:r>
+            <a:r>
+              <a:rPr lang="en-US" baseline="0" dirty="0" err="1" smtClean="0"/>
+              <a:t>trawlable</a:t>
+            </a:r>
+            <a:r>
+              <a:rPr lang="en-US" baseline="0" dirty="0" smtClean="0"/>
+              <a:t> bottoms are associated with different habitats, which result in different average densities, or that crab </a:t>
+            </a:r>
+            <a:r>
+              <a:rPr lang="en-US" baseline="0" dirty="0" err="1" smtClean="0"/>
+              <a:t>catchability</a:t>
+            </a:r>
+            <a:r>
+              <a:rPr lang="en-US" baseline="0" dirty="0" smtClean="0"/>
+              <a:t> varies between the two types of bottom, the observed densities may change as a result.</a:t>
+            </a:r>
+          </a:p>
+          <a:p>
+            <a:endParaRPr lang="en-US" baseline="0" smtClean="0"/>
+          </a:p>
+          <a:p>
+            <a:endParaRPr lang="en-US" dirty="0"/>
+          </a:p>
+        </p:txBody>
+      </p:sp>
+      <p:sp>
+        <p:nvSpPr>
+          <p:cNvPr id="4" name="Slide Number Placeholder 3"/>
+          <p:cNvSpPr>
+            <a:spLocks noGrp="1"/>
+          </p:cNvSpPr>
+          <p:nvPr>
+            <p:ph type="sldNum" sz="quarter" idx="10"/>
+          </p:nvPr>
+        </p:nvSpPr>
+        <p:spPr/>
+        <p:txBody>
+          <a:bodyPr/>
+          <a:lstStyle/>
+          <a:p>
+            <a:fld id="{B2F1372D-34CC-2746-889C-4C8AE026FBFA}" type="slidenum">
+              <a:rPr lang="en-US" smtClean="0"/>
+              <a:t>3</a:t>
+            </a:fld>
+            <a:endParaRPr lang="en-US"/>
+          </a:p>
+        </p:txBody>
+      </p:sp>
+    </p:spTree>
+    <p:extLst>
+      <p:ext uri="{BB962C8B-B14F-4D97-AF65-F5344CB8AC3E}">
+        <p14:creationId xmlns:p14="http://schemas.microsoft.com/office/powerpoint/2010/main" val="441848964"/>
+      </p:ext>
+    </p:extLst>
+  </p:cSld>
+  <p:clrMapOvr>
+    <a:masterClrMapping/>
+  </p:clrMapOvr>
+</p:notes>
+</file>
+
+<file path=ppt/notesSlides/notesSlide3.xml><?xml version="1.0" encoding="utf-8"?>
+<p:notes xmlns:a="http://schemas.openxmlformats.org/drawingml/2006/main" xmlns:r="http://schemas.openxmlformats.org/officeDocument/2006/relationships" xmlns:p="http://schemas.openxmlformats.org/presentationml/2006/main">
+  <p:cSld>
+    <p:spTree>
+      <p:nvGrpSpPr>
+        <p:cNvPr id="1" name=""/>
+        <p:cNvGrpSpPr/>
+        <p:nvPr/>
+      </p:nvGrpSpPr>
+      <p:grpSpPr>
+        <a:xfrm>
+          <a:off x="0" y="0"/>
+          <a:ext cx="0" cy="0"/>
+          <a:chOff x="0" y="0"/>
+          <a:chExt cx="0" cy="0"/>
+        </a:xfrm>
+      </p:grpSpPr>
+      <p:sp>
+        <p:nvSpPr>
+          <p:cNvPr id="2" name="Slide Image Placeholder 1"/>
+          <p:cNvSpPr>
+            <a:spLocks noGrp="1" noRot="1" noChangeAspect="1"/>
+          </p:cNvSpPr>
+          <p:nvPr>
+            <p:ph type="sldImg"/>
+          </p:nvPr>
+        </p:nvSpPr>
+        <p:spPr/>
+      </p:sp>
+      <p:sp>
+        <p:nvSpPr>
+          <p:cNvPr id="3" name="Notes Placeholder 2"/>
+          <p:cNvSpPr>
+            <a:spLocks noGrp="1"/>
+          </p:cNvSpPr>
+          <p:nvPr>
+            <p:ph type="body" idx="1"/>
+          </p:nvPr>
+        </p:nvSpPr>
+        <p:spPr/>
+        <p:txBody>
+          <a:bodyPr/>
+          <a:lstStyle/>
+          <a:p>
+            <a:r>
+              <a:rPr lang="en-US" dirty="0" smtClean="0"/>
+              <a:t>So these are</a:t>
+            </a:r>
+            <a:r>
+              <a:rPr lang="en-US" baseline="0" dirty="0" smtClean="0"/>
+              <a:t> the grids which are currently used in our trawl survey</a:t>
+            </a:r>
+          </a:p>
+          <a:p>
+            <a:endParaRPr lang="en-US" baseline="0" dirty="0" smtClean="0"/>
+          </a:p>
+          <a:p>
+            <a:pPr marL="171450" indent="-171450">
+              <a:buFontTx/>
+              <a:buChar char="-"/>
+            </a:pPr>
+            <a:r>
+              <a:rPr lang="en-US" baseline="0" dirty="0" smtClean="0"/>
+              <a:t>Note that these are not the same 10x10 minute grids which are used for fishery stats.</a:t>
+            </a:r>
+          </a:p>
+          <a:p>
+            <a:pPr marL="171450" indent="-171450">
+              <a:buFontTx/>
+              <a:buChar char="-"/>
+            </a:pPr>
+            <a:r>
+              <a:rPr lang="en-US" baseline="0" dirty="0" smtClean="0"/>
+              <a:t>There are 355 grids, each with a single station within it</a:t>
+            </a:r>
+          </a:p>
+          <a:p>
+            <a:pPr marL="171450" indent="-171450">
+              <a:buFontTx/>
+              <a:buChar char="-"/>
+            </a:pPr>
+            <a:r>
+              <a:rPr lang="en-US" baseline="0" dirty="0" smtClean="0"/>
+              <a:t>Grids are shaded by the number of times their stations have been relocated to alternate stations over the period from 2013 to 2019.</a:t>
+            </a:r>
+          </a:p>
+          <a:p>
+            <a:pPr marL="171450" indent="-171450">
+              <a:buFontTx/>
+              <a:buChar char="-"/>
+            </a:pPr>
+            <a:endParaRPr lang="en-US" baseline="0" dirty="0" smtClean="0"/>
+          </a:p>
+          <a:p>
+            <a:pPr marL="171450" indent="-171450">
+              <a:buFontTx/>
+              <a:buChar char="-"/>
+            </a:pPr>
+            <a:endParaRPr lang="en-US" dirty="0"/>
+          </a:p>
+        </p:txBody>
+      </p:sp>
+      <p:sp>
+        <p:nvSpPr>
+          <p:cNvPr id="4" name="Slide Number Placeholder 3"/>
+          <p:cNvSpPr>
+            <a:spLocks noGrp="1"/>
+          </p:cNvSpPr>
+          <p:nvPr>
+            <p:ph type="sldNum" sz="quarter" idx="10"/>
+          </p:nvPr>
+        </p:nvSpPr>
+        <p:spPr/>
+        <p:txBody>
+          <a:bodyPr/>
+          <a:lstStyle/>
+          <a:p>
+            <a:fld id="{B2F1372D-34CC-2746-889C-4C8AE026FBFA}" type="slidenum">
+              <a:rPr lang="en-US" smtClean="0"/>
+              <a:t>6</a:t>
+            </a:fld>
+            <a:endParaRPr lang="en-US"/>
+          </a:p>
+        </p:txBody>
+      </p:sp>
+    </p:spTree>
+    <p:extLst>
+      <p:ext uri="{BB962C8B-B14F-4D97-AF65-F5344CB8AC3E}">
+        <p14:creationId xmlns:p14="http://schemas.microsoft.com/office/powerpoint/2010/main" val="2247832199"/>
+      </p:ext>
+    </p:extLst>
+  </p:cSld>
+  <p:clrMapOvr>
+    <a:masterClrMapping/>
+  </p:clrMapOvr>
+</p:notes>
+</file>
+
+<file path=ppt/notesSlides/notesSlide4.xml><?xml version="1.0" encoding="utf-8"?>
+<p:notes xmlns:a="http://schemas.openxmlformats.org/drawingml/2006/main" xmlns:r="http://schemas.openxmlformats.org/officeDocument/2006/relationships" xmlns:p="http://schemas.openxmlformats.org/presentationml/2006/main">
+  <p:cSld>
+    <p:spTree>
+      <p:nvGrpSpPr>
+        <p:cNvPr id="1" name=""/>
+        <p:cNvGrpSpPr/>
+        <p:nvPr/>
+      </p:nvGrpSpPr>
+      <p:grpSpPr>
+        <a:xfrm>
+          <a:off x="0" y="0"/>
+          <a:ext cx="0" cy="0"/>
+          <a:chOff x="0" y="0"/>
+          <a:chExt cx="0" cy="0"/>
+        </a:xfrm>
+      </p:grpSpPr>
+      <p:sp>
+        <p:nvSpPr>
+          <p:cNvPr id="2" name="Slide Image Placeholder 1"/>
+          <p:cNvSpPr>
+            <a:spLocks noGrp="1" noRot="1" noChangeAspect="1"/>
+          </p:cNvSpPr>
+          <p:nvPr>
+            <p:ph type="sldImg"/>
+          </p:nvPr>
+        </p:nvSpPr>
+        <p:spPr/>
+      </p:sp>
+      <p:sp>
+        <p:nvSpPr>
+          <p:cNvPr id="3" name="Notes Placeholder 2"/>
+          <p:cNvSpPr>
+            <a:spLocks noGrp="1"/>
+          </p:cNvSpPr>
+          <p:nvPr>
+            <p:ph type="body" idx="1"/>
+          </p:nvPr>
+        </p:nvSpPr>
+        <p:spPr/>
+        <p:txBody>
+          <a:bodyPr/>
+          <a:lstStyle/>
+          <a:p>
+            <a:pPr marL="171450" indent="-171450">
+              <a:buFont typeface="Arial"/>
+              <a:buChar char="•"/>
+            </a:pPr>
+            <a:r>
+              <a:rPr lang="en-US" dirty="0" smtClean="0"/>
+              <a:t>This</a:t>
+            </a:r>
+            <a:r>
+              <a:rPr lang="en-US" baseline="0" dirty="0" smtClean="0"/>
+              <a:t> graph compares the densities among grids which have sustained station relocations, versus those whose stations have remained fixed.</a:t>
+            </a:r>
+          </a:p>
+          <a:p>
+            <a:endParaRPr lang="en-US" baseline="0" dirty="0" smtClean="0"/>
+          </a:p>
+          <a:p>
+            <a:pPr marL="171450" indent="-171450">
+              <a:buFont typeface="Arial"/>
+              <a:buChar char="•"/>
+            </a:pPr>
+            <a:r>
+              <a:rPr lang="en-US" dirty="0" smtClean="0"/>
+              <a:t>So for mature females, crab densities</a:t>
+            </a:r>
+            <a:r>
+              <a:rPr lang="en-US" baseline="0" dirty="0" smtClean="0"/>
+              <a:t> among relocated grids was about 60% that of fixed stations over the period from 2013 to 2020.</a:t>
+            </a:r>
+          </a:p>
+          <a:p>
+            <a:pPr marL="171450" indent="-171450">
+              <a:buFont typeface="Arial"/>
+              <a:buChar char="•"/>
+            </a:pPr>
+            <a:endParaRPr lang="en-US" baseline="0" dirty="0" smtClean="0"/>
+          </a:p>
+          <a:p>
+            <a:pPr marL="171450" indent="-171450">
+              <a:buFont typeface="Arial"/>
+              <a:buChar char="•"/>
+            </a:pPr>
+            <a:r>
+              <a:rPr lang="en-US" baseline="0" dirty="0" smtClean="0"/>
+              <a:t>Among commercial males, the relative proportion has increased has increased over the same period from about 50% to about 80%. </a:t>
+            </a:r>
+          </a:p>
+          <a:p>
+            <a:pPr marL="171450" indent="-171450">
+              <a:buFont typeface="Arial"/>
+              <a:buChar char="•"/>
+            </a:pPr>
+            <a:r>
+              <a:rPr lang="en-US" baseline="0" dirty="0" smtClean="0"/>
+              <a:t>Similar increases were observed among instar VIII crab, which are used as indictors of population recruitment.</a:t>
+            </a:r>
+          </a:p>
+          <a:p>
+            <a:pPr marL="171450" indent="-171450">
+              <a:buFont typeface="Arial"/>
+              <a:buChar char="•"/>
+            </a:pPr>
+            <a:endParaRPr lang="en-US" baseline="0" dirty="0" smtClean="0"/>
+          </a:p>
+          <a:p>
+            <a:pPr marL="171450" indent="-171450">
+              <a:buFont typeface="Arial"/>
+              <a:buChar char="•"/>
+            </a:pPr>
+            <a:r>
+              <a:rPr lang="en-US" baseline="0" dirty="0" smtClean="0"/>
+              <a:t>Although these increases may indicate a certain </a:t>
+            </a:r>
+            <a:r>
+              <a:rPr lang="en-US" baseline="0" dirty="0" err="1" smtClean="0"/>
+              <a:t>favouring</a:t>
+            </a:r>
+            <a:r>
+              <a:rPr lang="en-US" baseline="0" dirty="0" smtClean="0"/>
+              <a:t> of commercial and recruits as more and more stations are relocated through time, the fluctuations may also be due to:</a:t>
+            </a:r>
+          </a:p>
+          <a:p>
+            <a:pPr marL="628650" lvl="1" indent="-171450">
+              <a:buFont typeface="Arial"/>
+              <a:buChar char="•"/>
+            </a:pPr>
+            <a:r>
+              <a:rPr lang="en-US" baseline="0" dirty="0" smtClean="0"/>
+              <a:t>Normal population fluctuations</a:t>
+            </a:r>
+          </a:p>
+          <a:p>
+            <a:pPr marL="0" lvl="0" indent="0">
+              <a:buFont typeface="Arial"/>
+              <a:buNone/>
+            </a:pPr>
+            <a:endParaRPr lang="en-US" baseline="0" dirty="0" smtClean="0"/>
+          </a:p>
+          <a:p>
+            <a:pPr marL="0" lvl="0" indent="0">
+              <a:buFont typeface="Arial"/>
+              <a:buNone/>
+            </a:pPr>
+            <a:endParaRPr lang="en-US" baseline="0" dirty="0" smtClean="0"/>
+          </a:p>
+          <a:p>
+            <a:pPr marL="171450" indent="-171450">
+              <a:buFont typeface="Arial"/>
+              <a:buChar char="•"/>
+            </a:pPr>
+            <a:endParaRPr lang="en-US" baseline="0" dirty="0" smtClean="0"/>
+          </a:p>
+          <a:p>
+            <a:pPr marL="171450" indent="-171450">
+              <a:buFont typeface="Arial"/>
+              <a:buChar char="•"/>
+            </a:pPr>
+            <a:endParaRPr lang="en-US" dirty="0"/>
+          </a:p>
+        </p:txBody>
+      </p:sp>
+      <p:sp>
+        <p:nvSpPr>
+          <p:cNvPr id="4" name="Slide Number Placeholder 3"/>
+          <p:cNvSpPr>
+            <a:spLocks noGrp="1"/>
+          </p:cNvSpPr>
+          <p:nvPr>
+            <p:ph type="sldNum" sz="quarter" idx="10"/>
+          </p:nvPr>
+        </p:nvSpPr>
+        <p:spPr/>
+        <p:txBody>
+          <a:bodyPr/>
+          <a:lstStyle/>
+          <a:p>
+            <a:fld id="{B2F1372D-34CC-2746-889C-4C8AE026FBFA}" type="slidenum">
+              <a:rPr lang="en-US" smtClean="0"/>
+              <a:t>9</a:t>
+            </a:fld>
+            <a:endParaRPr lang="en-US"/>
+          </a:p>
+        </p:txBody>
+      </p:sp>
+    </p:spTree>
+    <p:extLst>
+      <p:ext uri="{BB962C8B-B14F-4D97-AF65-F5344CB8AC3E}">
+        <p14:creationId xmlns:p14="http://schemas.microsoft.com/office/powerpoint/2010/main" val="2161173584"/>
+      </p:ext>
+    </p:extLst>
+  </p:cSld>
+  <p:clrMapOvr>
+    <a:masterClrMapping/>
+  </p:clrMapOvr>
+</p:notes>
+</file>
+
+<file path=ppt/notesSlides/notesSlide5.xml><?xml version="1.0" encoding="utf-8"?>
+<p:notes xmlns:a="http://schemas.openxmlformats.org/drawingml/2006/main" xmlns:r="http://schemas.openxmlformats.org/officeDocument/2006/relationships" xmlns:p="http://schemas.openxmlformats.org/presentationml/2006/main">
+  <p:cSld>
+    <p:spTree>
+      <p:nvGrpSpPr>
+        <p:cNvPr id="1" name=""/>
+        <p:cNvGrpSpPr/>
+        <p:nvPr/>
+      </p:nvGrpSpPr>
+      <p:grpSpPr>
+        <a:xfrm>
+          <a:off x="0" y="0"/>
+          <a:ext cx="0" cy="0"/>
+          <a:chOff x="0" y="0"/>
+          <a:chExt cx="0" cy="0"/>
+        </a:xfrm>
+      </p:grpSpPr>
+      <p:sp>
+        <p:nvSpPr>
+          <p:cNvPr id="2" name="Slide Image Placeholder 1"/>
+          <p:cNvSpPr>
+            <a:spLocks noGrp="1" noRot="1" noChangeAspect="1"/>
+          </p:cNvSpPr>
+          <p:nvPr>
+            <p:ph type="sldImg"/>
+          </p:nvPr>
+        </p:nvSpPr>
+        <p:spPr/>
+      </p:sp>
+      <p:sp>
+        <p:nvSpPr>
+          <p:cNvPr id="3" name="Notes Placeholder 2"/>
+          <p:cNvSpPr>
+            <a:spLocks noGrp="1"/>
+          </p:cNvSpPr>
+          <p:nvPr>
+            <p:ph type="body" idx="1"/>
+          </p:nvPr>
+        </p:nvSpPr>
+        <p:spPr/>
+        <p:txBody>
+          <a:bodyPr/>
+          <a:lstStyle/>
+          <a:p>
+            <a:endParaRPr lang="en-US" dirty="0"/>
+          </a:p>
+        </p:txBody>
+      </p:sp>
+      <p:sp>
+        <p:nvSpPr>
+          <p:cNvPr id="4" name="Slide Number Placeholder 3"/>
+          <p:cNvSpPr>
+            <a:spLocks noGrp="1"/>
+          </p:cNvSpPr>
+          <p:nvPr>
+            <p:ph type="sldNum" sz="quarter" idx="10"/>
+          </p:nvPr>
+        </p:nvSpPr>
+        <p:spPr/>
+        <p:txBody>
+          <a:bodyPr/>
+          <a:lstStyle/>
+          <a:p>
+            <a:fld id="{B2F1372D-34CC-2746-889C-4C8AE026FBFA}" type="slidenum">
+              <a:rPr lang="en-US" smtClean="0"/>
+              <a:t>10</a:t>
+            </a:fld>
+            <a:endParaRPr lang="en-US"/>
+          </a:p>
+        </p:txBody>
+      </p:sp>
+    </p:spTree>
+    <p:extLst>
+      <p:ext uri="{BB962C8B-B14F-4D97-AF65-F5344CB8AC3E}">
+        <p14:creationId xmlns:p14="http://schemas.microsoft.com/office/powerpoint/2010/main" val="4215956235"/>
+      </p:ext>
+    </p:extLst>
+  </p:cSld>
+  <p:clrMapOvr>
+    <a:masterClrMapping/>
+  </p:clrMapOvr>
+</p:notes>
+</file>
+
 <file path=ppt/slideLayouts/slideLayout1.xml><?xml version="1.0" encoding="utf-8"?>
 <p:sldLayout xmlns:a="http://schemas.openxmlformats.org/drawingml/2006/main" xmlns:r="http://schemas.openxmlformats.org/officeDocument/2006/relationships" xmlns:p="http://schemas.openxmlformats.org/presentationml/2006/main" type="title" preserve="1">
   <p:cSld name="Title Slide">
@@ -297,7 +1288,7 @@
           <a:p>
             <a:fld id="{887BB222-4EBA-544B-98F4-850F7070AE41}" type="datetimeFigureOut">
               <a:rPr lang="en-US" smtClean="0"/>
-              <a:t>21-01-27</a:t>
+              <a:t>21-02-10</a:t>
             </a:fld>
             <a:endParaRPr lang="en-US"/>
           </a:p>
@@ -467,7 +1458,7 @@
           <a:p>
             <a:fld id="{887BB222-4EBA-544B-98F4-850F7070AE41}" type="datetimeFigureOut">
               <a:rPr lang="en-US" smtClean="0"/>
-              <a:t>21-01-27</a:t>
+              <a:t>21-02-10</a:t>
             </a:fld>
             <a:endParaRPr lang="en-US"/>
           </a:p>
@@ -647,7 +1638,7 @@
           <a:p>
             <a:fld id="{887BB222-4EBA-544B-98F4-850F7070AE41}" type="datetimeFigureOut">
               <a:rPr lang="en-US" smtClean="0"/>
-              <a:t>21-01-27</a:t>
+              <a:t>21-02-10</a:t>
             </a:fld>
             <a:endParaRPr lang="en-US"/>
           </a:p>
@@ -817,7 +1808,7 @@
           <a:p>
             <a:fld id="{887BB222-4EBA-544B-98F4-850F7070AE41}" type="datetimeFigureOut">
               <a:rPr lang="en-US" smtClean="0"/>
-              <a:t>21-01-27</a:t>
+              <a:t>21-02-10</a:t>
             </a:fld>
             <a:endParaRPr lang="en-US"/>
           </a:p>
@@ -1063,7 +2054,7 @@
           <a:p>
             <a:fld id="{887BB222-4EBA-544B-98F4-850F7070AE41}" type="datetimeFigureOut">
               <a:rPr lang="en-US" smtClean="0"/>
-              <a:t>21-01-27</a:t>
+              <a:t>21-02-10</a:t>
             </a:fld>
             <a:endParaRPr lang="en-US"/>
           </a:p>
@@ -1351,7 +2342,7 @@
           <a:p>
             <a:fld id="{887BB222-4EBA-544B-98F4-850F7070AE41}" type="datetimeFigureOut">
               <a:rPr lang="en-US" smtClean="0"/>
-              <a:t>21-01-27</a:t>
+              <a:t>21-02-10</a:t>
             </a:fld>
             <a:endParaRPr lang="en-US"/>
           </a:p>
@@ -1773,7 +2764,7 @@
           <a:p>
             <a:fld id="{887BB222-4EBA-544B-98F4-850F7070AE41}" type="datetimeFigureOut">
               <a:rPr lang="en-US" smtClean="0"/>
-              <a:t>21-01-27</a:t>
+              <a:t>21-02-10</a:t>
             </a:fld>
             <a:endParaRPr lang="en-US"/>
           </a:p>
@@ -1891,7 +2882,7 @@
           <a:p>
             <a:fld id="{887BB222-4EBA-544B-98F4-850F7070AE41}" type="datetimeFigureOut">
               <a:rPr lang="en-US" smtClean="0"/>
-              <a:t>21-01-27</a:t>
+              <a:t>21-02-10</a:t>
             </a:fld>
             <a:endParaRPr lang="en-US"/>
           </a:p>
@@ -1986,7 +2977,7 @@
           <a:p>
             <a:fld id="{887BB222-4EBA-544B-98F4-850F7070AE41}" type="datetimeFigureOut">
               <a:rPr lang="en-US" smtClean="0"/>
-              <a:t>21-01-27</a:t>
+              <a:t>21-02-10</a:t>
             </a:fld>
             <a:endParaRPr lang="en-US"/>
           </a:p>
@@ -2263,7 +3254,7 @@
           <a:p>
             <a:fld id="{887BB222-4EBA-544B-98F4-850F7070AE41}" type="datetimeFigureOut">
               <a:rPr lang="en-US" smtClean="0"/>
-              <a:t>21-01-27</a:t>
+              <a:t>21-02-10</a:t>
             </a:fld>
             <a:endParaRPr lang="en-US"/>
           </a:p>
@@ -2516,7 +3507,7 @@
           <a:p>
             <a:fld id="{887BB222-4EBA-544B-98F4-850F7070AE41}" type="datetimeFigureOut">
               <a:rPr lang="en-US" smtClean="0"/>
-              <a:t>21-01-27</a:t>
+              <a:t>21-02-10</a:t>
             </a:fld>
             <a:endParaRPr lang="en-US"/>
           </a:p>
@@ -2729,7 +3720,7 @@
           <a:p>
             <a:fld id="{887BB222-4EBA-544B-98F4-850F7070AE41}" type="datetimeFigureOut">
               <a:rPr lang="en-US" smtClean="0"/>
-              <a:t>21-01-27</a:t>
+              <a:t>21-02-10</a:t>
             </a:fld>
             <a:endParaRPr lang="en-US"/>
           </a:p>
@@ -3217,6 +4208,13 @@
   <p:clrMapOvr>
     <a:masterClrMapping/>
   </p:clrMapOvr>
+  <p:timing>
+    <p:tnLst>
+      <p:par>
+        <p:cTn xmlns:p14="http://schemas.microsoft.com/office/powerpoint/2010/main" id="1" dur="indefinite" restart="never" nodeType="tmRoot"/>
+      </p:par>
+    </p:tnLst>
+  </p:timing>
 </p:sld>
 </file>
 
@@ -3499,6 +4497,13 @@
   <p:clrMapOvr>
     <a:masterClrMapping/>
   </p:clrMapOvr>
+  <p:timing>
+    <p:tnLst>
+      <p:par>
+        <p:cTn xmlns:p14="http://schemas.microsoft.com/office/powerpoint/2010/main" id="1" dur="indefinite" restart="never" nodeType="tmRoot"/>
+      </p:par>
+    </p:tnLst>
+  </p:timing>
 </p:sld>
 </file>
 
@@ -3684,13 +4689,25 @@
             </a:pPr>
             <a:r>
               <a:rPr lang="en-US" dirty="0" smtClean="0"/>
-              <a:t>This is an issue if:</a:t>
-            </a:r>
-          </a:p>
-          <a:p>
+              <a:t>This is an issue </a:t>
+            </a:r>
             <a:r>
               <a:rPr lang="en-US" dirty="0" smtClean="0"/>
-              <a:t>crab have different densities, between </a:t>
+              <a:t>if:</a:t>
+            </a:r>
+          </a:p>
+          <a:p>
+            <a:r>
+              <a:rPr lang="en-US" dirty="0" smtClean="0"/>
+              <a:t>crab have different </a:t>
+            </a:r>
+            <a:r>
+              <a:rPr lang="en-US" b="1" dirty="0" smtClean="0"/>
+              <a:t>densities</a:t>
+            </a:r>
+            <a:r>
+              <a:rPr lang="en-US" dirty="0" smtClean="0"/>
+              <a:t> between </a:t>
             </a:r>
             <a:r>
               <a:rPr lang="en-US" dirty="0" err="1" smtClean="0"/>
@@ -3706,8 +4723,13 @@
             </a:r>
             <a:r>
               <a:rPr lang="en-US" dirty="0" smtClean="0"/>
-              <a:t> bottoms.</a:t>
-            </a:r>
+              <a:t> </a:t>
+            </a:r>
+            <a:r>
+              <a:rPr lang="en-US" dirty="0" smtClean="0"/>
+              <a:t>bottoms.</a:t>
+            </a:r>
+            <a:endParaRPr lang="en-US" dirty="0" smtClean="0"/>
           </a:p>
           <a:p>
             <a:endParaRPr lang="en-US" dirty="0" smtClean="0"/>
@@ -3718,12 +4740,16 @@
               <a:t>crab have different </a:t>
             </a:r>
             <a:r>
-              <a:rPr lang="en-US" dirty="0" err="1" smtClean="0"/>
+              <a:rPr lang="en-US" b="1" dirty="0" err="1" smtClean="0"/>
               <a:t>catchabilities</a:t>
             </a:r>
             <a:r>
               <a:rPr lang="en-US" dirty="0" smtClean="0"/>
-              <a:t> between the </a:t>
+              <a:t> </a:t>
+            </a:r>
+            <a:r>
+              <a:rPr lang="en-US" dirty="0" smtClean="0"/>
+              <a:t>between </a:t>
             </a:r>
             <a:r>
               <a:rPr lang="en-US" dirty="0" err="1" smtClean="0"/>
@@ -3731,7 +4757,19 @@
             </a:r>
             <a:r>
               <a:rPr lang="en-US" dirty="0" smtClean="0"/>
-              <a:t> or less </a:t>
+              <a:t> </a:t>
+            </a:r>
+            <a:r>
+              <a:rPr lang="en-US" dirty="0" smtClean="0"/>
+              <a:t>versus</a:t>
+            </a:r>
+            <a:r>
+              <a:rPr lang="en-US" dirty="0" smtClean="0"/>
+              <a:t> </a:t>
+            </a:r>
+            <a:r>
+              <a:rPr lang="en-US" dirty="0" smtClean="0"/>
+              <a:t>less </a:t>
             </a:r>
             <a:r>
               <a:rPr lang="en-US" dirty="0" err="1" smtClean="0"/>
@@ -3819,6 +4857,13 @@
   <p:clrMapOvr>
     <a:masterClrMapping/>
   </p:clrMapOvr>
+  <p:timing>
+    <p:tnLst>
+      <p:par>
+        <p:cTn xmlns:p14="http://schemas.microsoft.com/office/powerpoint/2010/main" id="1" dur="indefinite" restart="never" nodeType="tmRoot"/>
+      </p:par>
+    </p:tnLst>
+  </p:timing>
 </p:sld>
 </file>
 
@@ -3912,7 +4957,19 @@
           <a:p>
             <a:r>
               <a:rPr lang="en-US" sz="2800" dirty="0" smtClean="0"/>
-              <a:t>Crab density trends among relocated versus fixed stations is compared.</a:t>
+              <a:t>Crab density trends among relocated versus fixed stations </a:t>
+            </a:r>
+            <a:r>
+              <a:rPr lang="en-US" sz="2800" dirty="0" smtClean="0"/>
+              <a:t>was</a:t>
+            </a:r>
+            <a:r>
+              <a:rPr lang="en-US" sz="2800" dirty="0" smtClean="0"/>
+              <a:t> </a:t>
+            </a:r>
+            <a:r>
+              <a:rPr lang="en-US" sz="2800" dirty="0" smtClean="0"/>
+              <a:t>compared.</a:t>
             </a:r>
           </a:p>
           <a:p>
@@ -3963,6 +5020,13 @@
   <p:clrMapOvr>
     <a:masterClrMapping/>
   </p:clrMapOvr>
+  <p:timing>
+    <p:tnLst>
+      <p:par>
+        <p:cTn xmlns:p14="http://schemas.microsoft.com/office/powerpoint/2010/main" id="1" dur="indefinite" restart="never" nodeType="tmRoot"/>
+      </p:par>
+    </p:tnLst>
+  </p:timing>
 </p:sld>
 </file>
 
@@ -4253,6 +5317,13 @@
   <p:clrMapOvr>
     <a:masterClrMapping/>
   </p:clrMapOvr>
+  <p:timing>
+    <p:tnLst>
+      <p:par>
+        <p:cTn xmlns:p14="http://schemas.microsoft.com/office/powerpoint/2010/main" id="1" dur="indefinite" restart="never" nodeType="tmRoot"/>
+      </p:par>
+    </p:tnLst>
+  </p:timing>
 </p:sld>
 </file>
 
@@ -4280,7 +5351,7 @@
           <p:nvPr/>
         </p:nvPicPr>
         <p:blipFill>
-          <a:blip r:embed="rId2">
+          <a:blip r:embed="rId3">
             <a:extLst>
               <a:ext uri="{28A0092B-C50C-407E-A947-70E740481C1C}">
                 <a14:useLocalDpi xmlns:a14="http://schemas.microsoft.com/office/drawing/2010/main" val="0"/>
@@ -4427,6 +5498,13 @@
   <p:clrMapOvr>
     <a:masterClrMapping/>
   </p:clrMapOvr>
+  <p:timing>
+    <p:tnLst>
+      <p:par>
+        <p:cTn xmlns:p14="http://schemas.microsoft.com/office/powerpoint/2010/main" id="1" dur="indefinite" restart="never" nodeType="tmRoot"/>
+      </p:par>
+    </p:tnLst>
+  </p:timing>
 </p:sld>
 </file>
 
@@ -6026,6 +7104,13 @@
   <p:clrMapOvr>
     <a:masterClrMapping/>
   </p:clrMapOvr>
+  <p:timing>
+    <p:tnLst>
+      <p:par>
+        <p:cTn xmlns:p14="http://schemas.microsoft.com/office/powerpoint/2010/main" id="1" dur="indefinite" restart="never" nodeType="tmRoot"/>
+      </p:par>
+    </p:tnLst>
+  </p:timing>
 </p:sld>
 </file>
 
@@ -6226,6 +7311,13 @@
   <p:clrMapOvr>
     <a:masterClrMapping/>
   </p:clrMapOvr>
+  <p:timing>
+    <p:tnLst>
+      <p:par>
+        <p:cTn xmlns:p14="http://schemas.microsoft.com/office/powerpoint/2010/main" id="1" dur="indefinite" restart="never" nodeType="tmRoot"/>
+      </p:par>
+    </p:tnLst>
+  </p:timing>
 </p:sld>
 </file>
 
@@ -6284,7 +7376,7 @@
           <p:nvPr/>
         </p:nvPicPr>
         <p:blipFill>
-          <a:blip r:embed="rId2">
+          <a:blip r:embed="rId3">
             <a:extLst>
               <a:ext uri="{28A0092B-C50C-407E-A947-70E740481C1C}">
                 <a14:useLocalDpi xmlns:a14="http://schemas.microsoft.com/office/drawing/2010/main" val="0"/>
@@ -6317,7 +7409,7 @@
           <p:nvPr/>
         </p:nvPicPr>
         <p:blipFill>
-          <a:blip r:embed="rId3">
+          <a:blip r:embed="rId4">
             <a:extLst>
               <a:ext uri="{28A0092B-C50C-407E-A947-70E740481C1C}">
                 <a14:useLocalDpi xmlns:a14="http://schemas.microsoft.com/office/drawing/2010/main" val="0"/>
@@ -6507,6 +7599,13 @@
   <p:clrMapOvr>
     <a:masterClrMapping/>
   </p:clrMapOvr>
+  <p:timing>
+    <p:tnLst>
+      <p:par>
+        <p:cTn xmlns:p14="http://schemas.microsoft.com/office/powerpoint/2010/main" id="1" dur="indefinite" restart="never" nodeType="tmRoot"/>
+      </p:par>
+    </p:tnLst>
+  </p:timing>
 </p:sld>
 </file>
 
@@ -6828,4 +7927,324 @@
   </a:objectDefaults>
   <a:extraClrSchemeLst/>
 </a:theme>
+</file>
+
+<file path=ppt/theme/theme2.xml><?xml version="1.0" encoding="utf-8"?>
+<a:theme xmlns:a="http://schemas.openxmlformats.org/drawingml/2006/main" name="Office Theme">
+  <a:themeElements>
+    <a:clrScheme name="Office">
+      <a:dk1>
+        <a:sysClr val="windowText" lastClr="000000"/>
+      </a:dk1>
+      <a:lt1>
+        <a:sysClr val="window" lastClr="FFFFFF"/>
+      </a:lt1>
+      <a:dk2>
+        <a:srgbClr val="1F497D"/>
+      </a:dk2>
+      <a:lt2>
+        <a:srgbClr val="EEECE1"/>
+      </a:lt2>
+      <a:accent1>
+        <a:srgbClr val="4F81BD"/>
+      </a:accent1>
+      <a:accent2>
+        <a:srgbClr val="C0504D"/>
+      </a:accent2>
+      <a:accent3>
+        <a:srgbClr val="9BBB59"/>
+      </a:accent3>
+      <a:accent4>
+        <a:srgbClr val="8064A2"/>
+      </a:accent4>
+      <a:accent5>
+        <a:srgbClr val="4BACC6"/>
+      </a:accent5>
+      <a:accent6>
+        <a:srgbClr val="F79646"/>
+      </a:accent6>
+      <a:hlink>
+        <a:srgbClr val="0000FF"/>
+      </a:hlink>
+      <a:folHlink>
+        <a:srgbClr val="800080"/>
+      </a:folHlink>
+    </a:clrScheme>
+    <a:fontScheme name="Office">
+      <a:majorFont>
+        <a:latin typeface="Calibri"/>
+        <a:ea typeface=""/>
+        <a:cs typeface=""/>
+        <a:font script="Jpan" typeface="ＭＳ Ｐゴシック"/>
+        <a:font script="Hang" typeface="맑은 고딕"/>
+        <a:font script="Hans" typeface="宋体"/>
+        <a:font script="Hant" typeface="新細明體"/>
+        <a:font script="Arab" typeface="Times New Roman"/>
+        <a:font script="Hebr" typeface="Times New Roman"/>
+        <a:font script="Thai" typeface="Angsana New"/>
+        <a:font script="Ethi" typeface="Nyala"/>
+        <a:font script="Beng" typeface="Vrinda"/>
+        <a:font script="Gujr" typeface="Shruti"/>
+        <a:font script="Khmr" typeface="MoolBoran"/>
+        <a:font script="Knda" typeface="Tunga"/>
+        <a:font script="Guru" typeface="Raavi"/>
+        <a:font script="Cans" typeface="Euphemia"/>
+        <a:font script="Cher" typeface="Plantagenet Cherokee"/>
+        <a:font script="Yiii" typeface="Microsoft Yi Baiti"/>
+        <a:font script="Tibt" typeface="Microsoft Himalaya"/>
+        <a:font script="Thaa" typeface="MV Boli"/>
+        <a:font script="Deva" typeface="Mangal"/>
+        <a:font script="Telu" typeface="Gautami"/>
+        <a:font script="Taml" typeface="Latha"/>
+        <a:font script="Syrc" typeface="Estrangelo Edessa"/>
+        <a:font script="Orya" typeface="Kalinga"/>
+        <a:font script="Mlym" typeface="Kartika"/>
+        <a:font script="Laoo" typeface="DokChampa"/>
+        <a:font script="Sinh" typeface="Iskoola Pota"/>
+        <a:font script="Mong" typeface="Mongolian Baiti"/>
+        <a:font script="Viet" typeface="Times New Roman"/>
+        <a:font script="Uigh" typeface="Microsoft Uighur"/>
+        <a:font script="Geor" typeface="Sylfaen"/>
+      </a:majorFont>
+      <a:minorFont>
+        <a:latin typeface="Calibri"/>
+        <a:ea typeface=""/>
+        <a:cs typeface=""/>
+        <a:font script="Jpan" typeface="ＭＳ Ｐゴシック"/>
+        <a:font script="Hang" typeface="맑은 고딕"/>
+        <a:font script="Hans" typeface="宋体"/>
+        <a:font script="Hant" typeface="新細明體"/>
+        <a:font script="Arab" typeface="Arial"/>
+        <a:font script="Hebr" typeface="Arial"/>
+        <a:font script="Thai" typeface="Cordia New"/>
+        <a:font script="Ethi" typeface="Nyala"/>
+        <a:font script="Beng" typeface="Vrinda"/>
+        <a:font script="Gujr" typeface="Shruti"/>
+        <a:font script="Khmr" typeface="DaunPenh"/>
+        <a:font script="Knda" typeface="Tunga"/>
+        <a:font script="Guru" typeface="Raavi"/>
+        <a:font script="Cans" typeface="Euphemia"/>
+        <a:font script="Cher" typeface="Plantagenet Cherokee"/>
+        <a:font script="Yiii" typeface="Microsoft Yi Baiti"/>
+        <a:font script="Tibt" typeface="Microsoft Himalaya"/>
+        <a:font script="Thaa" typeface="MV Boli"/>
+        <a:font script="Deva" typeface="Mangal"/>
+        <a:font script="Telu" typeface="Gautami"/>
+        <a:font script="Taml" typeface="Latha"/>
+        <a:font script="Syrc" typeface="Estrangelo Edessa"/>
+        <a:font script="Orya" typeface="Kalinga"/>
+        <a:font script="Mlym" typeface="Kartika"/>
+        <a:font script="Laoo" typeface="DokChampa"/>
+        <a:font script="Sinh" typeface="Iskoola Pota"/>
+        <a:font script="Mong" typeface="Mongolian Baiti"/>
+        <a:font script="Viet" typeface="Arial"/>
+        <a:font script="Uigh" typeface="Microsoft Uighur"/>
+        <a:font script="Geor" typeface="Sylfaen"/>
+      </a:minorFont>
+    </a:fontScheme>
+    <a:fmtScheme name="Office">
+      <a:fillStyleLst>
+        <a:solidFill>
+          <a:schemeClr val="phClr"/>
+        </a:solidFill>
+        <a:gradFill rotWithShape="1">
+          <a:gsLst>
+            <a:gs pos="0">
+              <a:schemeClr val="phClr">
+                <a:tint val="50000"/>
+                <a:satMod val="300000"/>
+              </a:schemeClr>
+            </a:gs>
+            <a:gs pos="35000">
+              <a:schemeClr val="phClr">
+                <a:tint val="37000"/>
+                <a:satMod val="300000"/>
+              </a:schemeClr>
+            </a:gs>
+            <a:gs pos="100000">
+              <a:schemeClr val="phClr">
+                <a:tint val="15000"/>
+                <a:satMod val="350000"/>
+              </a:schemeClr>
+            </a:gs>
+          </a:gsLst>
+          <a:lin ang="16200000" scaled="1"/>
+        </a:gradFill>
+        <a:gradFill rotWithShape="1">
+          <a:gsLst>
+            <a:gs pos="0">
+              <a:schemeClr val="phClr">
+                <a:tint val="100000"/>
+                <a:shade val="100000"/>
+                <a:satMod val="130000"/>
+              </a:schemeClr>
+            </a:gs>
+            <a:gs pos="100000">
+              <a:schemeClr val="phClr">
+                <a:tint val="50000"/>
+                <a:shade val="100000"/>
+                <a:satMod val="350000"/>
+              </a:schemeClr>
+            </a:gs>
+          </a:gsLst>
+          <a:lin ang="16200000" scaled="0"/>
+        </a:gradFill>
+      </a:fillStyleLst>
+      <a:lnStyleLst>
+        <a:ln w="9525" cap="flat" cmpd="sng" algn="ctr">
+          <a:solidFill>
+            <a:schemeClr val="phClr">
+              <a:shade val="95000"/>
+              <a:satMod val="105000"/>
+            </a:schemeClr>
+          </a:solidFill>
+          <a:prstDash val="solid"/>
+        </a:ln>
+        <a:ln w="25400" cap="flat" cmpd="sng" algn="ctr">
+          <a:solidFill>
+            <a:schemeClr val="phClr"/>
+          </a:solidFill>
+          <a:prstDash val="solid"/>
+        </a:ln>
+        <a:ln w="38100" cap="flat" cmpd="sng" algn="ctr">
+          <a:solidFill>
+            <a:schemeClr val="phClr"/>
+          </a:solidFill>
+          <a:prstDash val="solid"/>
+        </a:ln>
+      </a:lnStyleLst>
+      <a:effectStyleLst>
+        <a:effectStyle>
+          <a:effectLst>
+            <a:outerShdw blurRad="40000" dist="20000" dir="5400000" rotWithShape="0">
+              <a:srgbClr val="000000">
+                <a:alpha val="38000"/>
+              </a:srgbClr>
+            </a:outerShdw>
+          </a:effectLst>
+        </a:effectStyle>
+        <a:effectStyle>
+          <a:effectLst>
+            <a:outerShdw blurRad="40000" dist="23000" dir="5400000" rotWithShape="0">
+              <a:srgbClr val="000000">
+                <a:alpha val="35000"/>
+              </a:srgbClr>
+            </a:outerShdw>
+          </a:effectLst>
+        </a:effectStyle>
+        <a:effectStyle>
+          <a:effectLst>
+            <a:outerShdw blurRad="40000" dist="23000" dir="5400000" rotWithShape="0">
+              <a:srgbClr val="000000">
+                <a:alpha val="35000"/>
+              </a:srgbClr>
+            </a:outerShdw>
+          </a:effectLst>
+          <a:scene3d>
+            <a:camera prst="orthographicFront">
+              <a:rot lat="0" lon="0" rev="0"/>
+            </a:camera>
+            <a:lightRig rig="threePt" dir="t">
+              <a:rot lat="0" lon="0" rev="1200000"/>
+            </a:lightRig>
+          </a:scene3d>
+          <a:sp3d>
+            <a:bevelT w="63500" h="25400"/>
+          </a:sp3d>
+        </a:effectStyle>
+      </a:effectStyleLst>
+      <a:bgFillStyleLst>
+        <a:solidFill>
+          <a:schemeClr val="phClr"/>
+        </a:solidFill>
+        <a:gradFill rotWithShape="1">
+          <a:gsLst>
+            <a:gs pos="0">
+              <a:schemeClr val="phClr">
+                <a:tint val="40000"/>
+                <a:satMod val="350000"/>
+              </a:schemeClr>
+            </a:gs>
+            <a:gs pos="40000">
+              <a:schemeClr val="phClr">
+                <a:tint val="45000"/>
+                <a:shade val="99000"/>
+                <a:satMod val="350000"/>
+              </a:schemeClr>
+            </a:gs>
+            <a:gs pos="100000">
+              <a:schemeClr val="phClr">
+                <a:shade val="20000"/>
+                <a:satMod val="255000"/>
+              </a:schemeClr>
+            </a:gs>
+          </a:gsLst>
+          <a:path path="circle">
+            <a:fillToRect l="50000" t="-80000" r="50000" b="180000"/>
+          </a:path>
+        </a:gradFill>
+        <a:gradFill rotWithShape="1">
+          <a:gsLst>
+            <a:gs pos="0">
+              <a:schemeClr val="phClr">
+                <a:tint val="80000"/>
+                <a:satMod val="300000"/>
+              </a:schemeClr>
+            </a:gs>
+            <a:gs pos="100000">
+              <a:schemeClr val="phClr">
+                <a:shade val="30000"/>
+                <a:satMod val="200000"/>
+              </a:schemeClr>
+            </a:gs>
+          </a:gsLst>
+          <a:path path="circle">
+            <a:fillToRect l="50000" t="50000" r="50000" b="50000"/>
+          </a:path>
+        </a:gradFill>
+      </a:bgFillStyleLst>
+    </a:fmtScheme>
+  </a:themeElements>
+  <a:objectDefaults>
+    <a:spDef>
+      <a:spPr/>
+      <a:bodyPr/>
+      <a:lstStyle/>
+      <a:style>
+        <a:lnRef idx="1">
+          <a:schemeClr val="accent1"/>
+        </a:lnRef>
+        <a:fillRef idx="3">
+          <a:schemeClr val="accent1"/>
+        </a:fillRef>
+        <a:effectRef idx="2">
+          <a:schemeClr val="accent1"/>
+        </a:effectRef>
+        <a:fontRef idx="minor">
+          <a:schemeClr val="lt1"/>
+        </a:fontRef>
+      </a:style>
+    </a:spDef>
+    <a:lnDef>
+      <a:spPr/>
+      <a:bodyPr/>
+      <a:lstStyle/>
+      <a:style>
+        <a:lnRef idx="2">
+          <a:schemeClr val="accent1"/>
+        </a:lnRef>
+        <a:fillRef idx="0">
+          <a:schemeClr val="accent1"/>
+        </a:fillRef>
+        <a:effectRef idx="1">
+          <a:schemeClr val="accent1"/>
+        </a:effectRef>
+        <a:fontRef idx="minor">
+          <a:schemeClr val="tx1"/>
+        </a:fontRef>
+      </a:style>
+    </a:lnDef>
+  </a:objectDefaults>
+  <a:extraClrSchemeLst/>
+</a:theme>
 </file>
--- a/documents/presentations/Survey relocations.pptx
+++ b/documents/presentations/Survey relocations.pptx
@@ -640,7 +640,7 @@
             </a:r>
           </a:p>
           <a:p>
-            <a:endParaRPr lang="en-US" baseline="0" smtClean="0"/>
+            <a:endParaRPr lang="en-US" baseline="0" dirty="0" smtClean="0"/>
           </a:p>
           <a:p>
             <a:endParaRPr lang="en-US" dirty="0"/>
@@ -976,7 +976,10 @@
               <a:buFont typeface="Arial"/>
               <a:buChar char="•"/>
             </a:pPr>
-            <a:endParaRPr lang="en-US" baseline="0" dirty="0" smtClean="0"/>
+            <a:r>
+              <a:rPr lang="en-US" baseline="0" dirty="0" smtClean="0"/>
+              <a:t>So this leads to a research recommendation, that 100 representative stations be selected among the original set of 2013 survey stations.</a:t>
+            </a:r>
           </a:p>
           <a:p>
             <a:pPr marL="171450" indent="-171450">
@@ -4347,6 +4350,13 @@
   <p:clrMapOvr>
     <a:masterClrMapping/>
   </p:clrMapOvr>
+  <p:timing>
+    <p:tnLst>
+      <p:par>
+        <p:cTn xmlns:p14="http://schemas.microsoft.com/office/powerpoint/2010/main" id="1" dur="indefinite" restart="never" nodeType="tmRoot"/>
+      </p:par>
+    </p:tnLst>
+  </p:timing>
 </p:sld>
 </file>
 
